--- a/3_PHASE4_Architecture/docs/3.2 Architecture management in MATLAB_EN.pptx
+++ b/3_PHASE4_Architecture/docs/3.2 Architecture management in MATLAB_EN.pptx
@@ -317,7 +317,7 @@
           <a:p>
             <a:fld id="{DE2F9ED7-D9DF-9B4A-A1AC-9FBF0C9B1C8E}" type="datetime1">
               <a:rPr lang="es-ES" smtClean="0"/>
-              <a:t>14/09/2023</a:t>
+              <a:t>29/02/2024</a:t>
             </a:fld>
             <a:endParaRPr lang="en-US"/>
           </a:p>
@@ -487,7 +487,7 @@
           <a:p>
             <a:fld id="{FEDC53B6-CB23-B545-A702-0812837A95EA}" type="datetime1">
               <a:rPr lang="es-ES" smtClean="0"/>
-              <a:t>14/09/2023</a:t>
+              <a:t>29/02/2024</a:t>
             </a:fld>
             <a:endParaRPr lang="en-US"/>
           </a:p>
@@ -1122,7 +1122,7 @@
             <a:fld id="{2D72A43D-7419-4C41-A920-C6E38643746D}" type="datetime3">
               <a:rPr lang="es-ES_tradnl" smtClean="0"/>
               <a:pPr/>
-              <a:t>14.09.23</a:t>
+              <a:t>29.02.24</a:t>
             </a:fld>
             <a:endParaRPr lang="en-US" dirty="0"/>
           </a:p>
@@ -1383,7 +1383,7 @@
             <a:fld id="{2D72A43D-7419-4C41-A920-C6E38643746D}" type="datetime3">
               <a:rPr lang="es-ES_tradnl" smtClean="0"/>
               <a:pPr/>
-              <a:t>14.09.23</a:t>
+              <a:t>29.02.24</a:t>
             </a:fld>
             <a:endParaRPr lang="en-US" dirty="0"/>
           </a:p>
@@ -1681,7 +1681,7 @@
           <a:p>
             <a:fld id="{0051B10C-2937-EF49-B2B2-FDE1E3A46A2D}" type="datetime3">
               <a:rPr lang="es-ES_tradnl" smtClean="0"/>
-              <a:t>14.09.23</a:t>
+              <a:t>29.02.24</a:t>
             </a:fld>
             <a:endParaRPr lang="en-US" dirty="0"/>
           </a:p>
@@ -1956,7 +1956,7 @@
           <a:p>
             <a:fld id="{0051B10C-2937-EF49-B2B2-FDE1E3A46A2D}" type="datetime3">
               <a:rPr lang="es-ES_tradnl" smtClean="0"/>
-              <a:t>14.09.23</a:t>
+              <a:t>29.02.24</a:t>
             </a:fld>
             <a:endParaRPr lang="en-US" dirty="0"/>
           </a:p>
@@ -2260,7 +2260,7 @@
           <a:p>
             <a:fld id="{0051B10C-2937-EF49-B2B2-FDE1E3A46A2D}" type="datetime3">
               <a:rPr lang="es-ES_tradnl" smtClean="0"/>
-              <a:t>14.09.23</a:t>
+              <a:t>29.02.24</a:t>
             </a:fld>
             <a:endParaRPr lang="en-US" dirty="0"/>
           </a:p>
@@ -2569,7 +2569,7 @@
           <a:p>
             <a:fld id="{2DCE5B6F-4229-BD47-9F49-CE071C120013}" type="datetime3">
               <a:rPr lang="es-ES_tradnl" smtClean="0"/>
-              <a:t>14.09.23</a:t>
+              <a:t>29.02.24</a:t>
             </a:fld>
             <a:endParaRPr lang="en-US" dirty="0"/>
           </a:p>
@@ -2896,7 +2896,7 @@
           <a:p>
             <a:fld id="{2DCE5B6F-4229-BD47-9F49-CE071C120013}" type="datetime3">
               <a:rPr lang="es-ES_tradnl" smtClean="0"/>
-              <a:t>14.09.23</a:t>
+              <a:t>29.02.24</a:t>
             </a:fld>
             <a:endParaRPr lang="en-US" dirty="0"/>
           </a:p>
@@ -3223,7 +3223,7 @@
           <a:p>
             <a:fld id="{2DCE5B6F-4229-BD47-9F49-CE071C120013}" type="datetime3">
               <a:rPr lang="es-ES_tradnl" smtClean="0"/>
-              <a:t>14.09.23</a:t>
+              <a:t>29.02.24</a:t>
             </a:fld>
             <a:endParaRPr lang="en-US" dirty="0"/>
           </a:p>
@@ -3661,7 +3661,7 @@
             <a:fld id="{6D8C46FE-6D60-7E43-9EAD-3064B98E9FE4}" type="datetime3">
               <a:rPr lang="es-ES_tradnl" smtClean="0"/>
               <a:pPr/>
-              <a:t>14.09.23</a:t>
+              <a:t>29.02.24</a:t>
             </a:fld>
             <a:endParaRPr lang="en-US" dirty="0"/>
           </a:p>
@@ -4083,7 +4083,7 @@
             <a:fld id="{6D8C46FE-6D60-7E43-9EAD-3064B98E9FE4}" type="datetime3">
               <a:rPr lang="es-ES_tradnl" smtClean="0"/>
               <a:pPr/>
-              <a:t>14.09.23</a:t>
+              <a:t>29.02.24</a:t>
             </a:fld>
             <a:endParaRPr lang="en-US" dirty="0"/>
           </a:p>
@@ -4819,7 +4819,7 @@
             <a:fld id="{6D8C46FE-6D60-7E43-9EAD-3064B98E9FE4}" type="datetime3">
               <a:rPr lang="es-ES_tradnl" smtClean="0"/>
               <a:pPr/>
-              <a:t>14.09.23</a:t>
+              <a:t>29.02.24</a:t>
             </a:fld>
             <a:endParaRPr lang="en-US" dirty="0"/>
           </a:p>
@@ -5134,7 +5134,7 @@
             <a:fld id="{03BAEA45-06BF-1B4B-8B5F-15A64A07D060}" type="datetime3">
               <a:rPr lang="es-ES_tradnl" smtClean="0"/>
               <a:pPr/>
-              <a:t>14.09.23</a:t>
+              <a:t>29.02.24</a:t>
             </a:fld>
             <a:endParaRPr lang="en-US" dirty="0"/>
           </a:p>
@@ -5332,7 +5332,7 @@
             <a:fld id="{03BAEA45-06BF-1B4B-8B5F-15A64A07D060}" type="datetime3">
               <a:rPr lang="es-ES_tradnl" smtClean="0"/>
               <a:pPr/>
-              <a:t>14.09.23</a:t>
+              <a:t>29.02.24</a:t>
             </a:fld>
             <a:endParaRPr lang="en-US" dirty="0"/>
           </a:p>
@@ -5530,7 +5530,7 @@
             <a:fld id="{03BAEA45-06BF-1B4B-8B5F-15A64A07D060}" type="datetime3">
               <a:rPr lang="es-ES_tradnl" smtClean="0"/>
               <a:pPr/>
-              <a:t>14.09.23</a:t>
+              <a:t>29.02.24</a:t>
             </a:fld>
             <a:endParaRPr lang="en-US" dirty="0"/>
           </a:p>
@@ -9119,7 +9119,7 @@
             <a:fld id="{2D72A43D-7419-4C41-A920-C6E38643746D}" type="datetime3">
               <a:rPr lang="es-ES_tradnl" smtClean="0"/>
               <a:pPr/>
-              <a:t>14.09.23</a:t>
+              <a:t>29.02.24</a:t>
             </a:fld>
             <a:endParaRPr lang="en-US" dirty="0"/>
           </a:p>
@@ -9399,7 +9399,7 @@
           <a:p>
             <a:fld id="{9FAE4B82-6DFA-A543-B435-4398A9590E55}" type="datetime3">
               <a:rPr lang="es-ES_tradnl" smtClean="0"/>
-              <a:t>14.09.23</a:t>
+              <a:t>29.02.24</a:t>
             </a:fld>
             <a:endParaRPr lang="en-US" dirty="0"/>
           </a:p>
@@ -10083,7 +10083,7 @@
             <a:fld id="{2D72A43D-7419-4C41-A920-C6E38643746D}" type="datetime3">
               <a:rPr lang="es-ES_tradnl" smtClean="0"/>
               <a:pPr/>
-              <a:t>14.09.23</a:t>
+              <a:t>29.02.24</a:t>
             </a:fld>
             <a:endParaRPr lang="en-US" dirty="0"/>
           </a:p>
@@ -10599,6 +10599,158 @@
               <a:t>Physical</a:t>
             </a:r>
             <a:endParaRPr lang="es-ES" b="1" i="1" dirty="0"/>
+          </a:p>
+        </p:txBody>
+      </p:sp>
+      <p:sp>
+        <p:nvSpPr>
+          <p:cNvPr id="9" name="CuadroTexto 8">
+            <a:extLst>
+              <a:ext uri="{FF2B5EF4-FFF2-40B4-BE49-F238E27FC236}">
+                <a16:creationId xmlns:a16="http://schemas.microsoft.com/office/drawing/2014/main" id="{FCD13EC1-C7A9-6C71-1FC7-CF0A7038ADBB}"/>
+              </a:ext>
+            </a:extLst>
+          </p:cNvPr>
+          <p:cNvSpPr txBox="1"/>
+          <p:nvPr/>
+        </p:nvSpPr>
+        <p:spPr>
+          <a:xfrm>
+            <a:off x="422032" y="3568578"/>
+            <a:ext cx="4572000" cy="369332"/>
+          </a:xfrm>
+          <a:prstGeom prst="rect">
+            <a:avLst/>
+          </a:prstGeom>
+          <a:noFill/>
+        </p:spPr>
+        <p:txBody>
+          <a:bodyPr wrap="square">
+            <a:spAutoFit/>
+          </a:bodyPr>
+          <a:lstStyle/>
+          <a:p>
+            <a:r>
+              <a:rPr lang="en-GB" dirty="0"/>
+              <a:t>\</a:t>
+            </a:r>
+            <a:r>
+              <a:rPr lang="en-GB" dirty="0" err="1"/>
+              <a:t>scMobileRobotExample</a:t>
+            </a:r>
+            <a:r>
+              <a:rPr lang="en-GB" dirty="0"/>
+              <a:t>\Architectures\</a:t>
+            </a:r>
+          </a:p>
+        </p:txBody>
+      </p:sp>
+      <p:sp>
+        <p:nvSpPr>
+          <p:cNvPr id="18" name="CuadroTexto 17">
+            <a:extLst>
+              <a:ext uri="{FF2B5EF4-FFF2-40B4-BE49-F238E27FC236}">
+                <a16:creationId xmlns:a16="http://schemas.microsoft.com/office/drawing/2014/main" id="{20CD39BF-6376-D45A-8EFE-31C200BDE028}"/>
+              </a:ext>
+            </a:extLst>
+          </p:cNvPr>
+          <p:cNvSpPr txBox="1"/>
+          <p:nvPr/>
+        </p:nvSpPr>
+        <p:spPr>
+          <a:xfrm>
+            <a:off x="155492" y="3974629"/>
+            <a:ext cx="3356716" cy="369332"/>
+          </a:xfrm>
+          <a:prstGeom prst="rect">
+            <a:avLst/>
+          </a:prstGeom>
+          <a:noFill/>
+        </p:spPr>
+        <p:txBody>
+          <a:bodyPr wrap="square">
+            <a:spAutoFit/>
+          </a:bodyPr>
+          <a:lstStyle/>
+          <a:p>
+            <a:pPr algn="ctr"/>
+            <a:r>
+              <a:rPr lang="en-GB" dirty="0" err="1"/>
+              <a:t>RobotFunctionalArchitecture.slx</a:t>
+            </a:r>
+            <a:endParaRPr lang="en-GB" dirty="0"/>
+          </a:p>
+        </p:txBody>
+      </p:sp>
+      <p:sp>
+        <p:nvSpPr>
+          <p:cNvPr id="20" name="CuadroTexto 19">
+            <a:extLst>
+              <a:ext uri="{FF2B5EF4-FFF2-40B4-BE49-F238E27FC236}">
+                <a16:creationId xmlns:a16="http://schemas.microsoft.com/office/drawing/2014/main" id="{0F5EB466-9B35-35E5-9C6F-EB2D0564CE4C}"/>
+              </a:ext>
+            </a:extLst>
+          </p:cNvPr>
+          <p:cNvSpPr txBox="1"/>
+          <p:nvPr/>
+        </p:nvSpPr>
+        <p:spPr>
+          <a:xfrm>
+            <a:off x="4994032" y="3317768"/>
+            <a:ext cx="4572000" cy="369332"/>
+          </a:xfrm>
+          <a:prstGeom prst="rect">
+            <a:avLst/>
+          </a:prstGeom>
+          <a:noFill/>
+        </p:spPr>
+        <p:txBody>
+          <a:bodyPr wrap="square">
+            <a:spAutoFit/>
+          </a:bodyPr>
+          <a:lstStyle/>
+          <a:p>
+            <a:r>
+              <a:rPr lang="en-GB" dirty="0" err="1"/>
+              <a:t>scMobileRobotHardwareArchitecture.slx</a:t>
+            </a:r>
+            <a:endParaRPr lang="en-GB" dirty="0"/>
+          </a:p>
+        </p:txBody>
+      </p:sp>
+      <p:sp>
+        <p:nvSpPr>
+          <p:cNvPr id="22" name="CuadroTexto 21">
+            <a:extLst>
+              <a:ext uri="{FF2B5EF4-FFF2-40B4-BE49-F238E27FC236}">
+                <a16:creationId xmlns:a16="http://schemas.microsoft.com/office/drawing/2014/main" id="{4CFB3226-F2EE-D39F-6319-17A8CA04B8DA}"/>
+              </a:ext>
+            </a:extLst>
+          </p:cNvPr>
+          <p:cNvSpPr txBox="1"/>
+          <p:nvPr/>
+        </p:nvSpPr>
+        <p:spPr>
+          <a:xfrm>
+            <a:off x="2939224" y="6284393"/>
+            <a:ext cx="4783540" cy="369332"/>
+          </a:xfrm>
+          <a:prstGeom prst="rect">
+            <a:avLst/>
+          </a:prstGeom>
+          <a:noFill/>
+        </p:spPr>
+        <p:txBody>
+          <a:bodyPr wrap="square">
+            <a:spAutoFit/>
+          </a:bodyPr>
+          <a:lstStyle/>
+          <a:p>
+            <a:r>
+              <a:rPr lang="en-GB" dirty="0" err="1"/>
+              <a:t>scMobileRobotLogicalArchitecture.slx</a:t>
+            </a:r>
+            <a:endParaRPr lang="en-GB" dirty="0"/>
           </a:p>
         </p:txBody>
       </p:sp>
@@ -10656,7 +10808,7 @@
             <a:fld id="{2D72A43D-7419-4C41-A920-C6E38643746D}" type="datetime3">
               <a:rPr lang="es-ES_tradnl" smtClean="0"/>
               <a:pPr/>
-              <a:t>14.09.23</a:t>
+              <a:t>29.02.24</a:t>
             </a:fld>
             <a:endParaRPr lang="en-US" dirty="0"/>
           </a:p>
@@ -11221,7 +11373,7 @@
             <a:fld id="{2D72A43D-7419-4C41-A920-C6E38643746D}" type="datetime3">
               <a:rPr lang="es-ES_tradnl" smtClean="0"/>
               <a:pPr/>
-              <a:t>14.09.23</a:t>
+              <a:t>29.02.24</a:t>
             </a:fld>
             <a:endParaRPr lang="en-US" dirty="0"/>
           </a:p>
@@ -11856,7 +12008,7 @@
             <a:fld id="{2D72A43D-7419-4C41-A920-C6E38643746D}" type="datetime3">
               <a:rPr lang="es-ES_tradnl" smtClean="0"/>
               <a:pPr/>
-              <a:t>14.09.23</a:t>
+              <a:t>29.02.24</a:t>
             </a:fld>
             <a:endParaRPr lang="en-US" dirty="0"/>
           </a:p>
@@ -12282,6 +12434,42 @@
             <a:endParaRPr lang="es-ES" dirty="0">
               <a:latin typeface="Arial Nova Light" panose="020B0304020202020204" pitchFamily="34" charset="0"/>
             </a:endParaRPr>
+          </a:p>
+        </p:txBody>
+      </p:sp>
+      <p:sp>
+        <p:nvSpPr>
+          <p:cNvPr id="7" name="CuadroTexto 6">
+            <a:extLst>
+              <a:ext uri="{FF2B5EF4-FFF2-40B4-BE49-F238E27FC236}">
+                <a16:creationId xmlns:a16="http://schemas.microsoft.com/office/drawing/2014/main" id="{A204EAEE-54F1-73FE-5433-72B91F0078B5}"/>
+              </a:ext>
+            </a:extLst>
+          </p:cNvPr>
+          <p:cNvSpPr txBox="1"/>
+          <p:nvPr/>
+        </p:nvSpPr>
+        <p:spPr>
+          <a:xfrm>
+            <a:off x="2331804" y="6059779"/>
+            <a:ext cx="4572000" cy="369332"/>
+          </a:xfrm>
+          <a:prstGeom prst="rect">
+            <a:avLst/>
+          </a:prstGeom>
+          <a:noFill/>
+        </p:spPr>
+        <p:txBody>
+          <a:bodyPr wrap="square">
+            <a:spAutoFit/>
+          </a:bodyPr>
+          <a:lstStyle/>
+          <a:p>
+            <a:r>
+              <a:rPr lang="en-GB" dirty="0" err="1"/>
+              <a:t>scMobileRobotHardwareArchitecture.slx</a:t>
+            </a:r>
+            <a:endParaRPr lang="en-GB" dirty="0"/>
           </a:p>
         </p:txBody>
       </p:sp>
@@ -12339,7 +12527,7 @@
             <a:fld id="{2D72A43D-7419-4C41-A920-C6E38643746D}" type="datetime3">
               <a:rPr lang="es-ES_tradnl" smtClean="0"/>
               <a:pPr/>
-              <a:t>14.09.23</a:t>
+              <a:t>29.02.24</a:t>
             </a:fld>
             <a:endParaRPr lang="en-US" dirty="0"/>
           </a:p>
@@ -13119,6 +13307,92 @@
           </a:prstGeom>
         </p:spPr>
       </p:pic>
+      <p:pic>
+        <p:nvPicPr>
+          <p:cNvPr id="8" name="Imagen 7">
+            <a:extLst>
+              <a:ext uri="{FF2B5EF4-FFF2-40B4-BE49-F238E27FC236}">
+                <a16:creationId xmlns:a16="http://schemas.microsoft.com/office/drawing/2014/main" id="{A72601E8-A135-718E-F37C-73226CC800E8}"/>
+              </a:ext>
+            </a:extLst>
+          </p:cNvPr>
+          <p:cNvPicPr>
+            <a:picLocks noChangeAspect="1"/>
+          </p:cNvPicPr>
+          <p:nvPr/>
+        </p:nvPicPr>
+        <p:blipFill>
+          <a:blip r:embed="rId3"/>
+          <a:stretch>
+            <a:fillRect/>
+          </a:stretch>
+        </p:blipFill>
+        <p:spPr>
+          <a:xfrm>
+            <a:off x="3554636" y="407936"/>
+            <a:ext cx="533474" cy="724001"/>
+          </a:xfrm>
+          <a:prstGeom prst="rect">
+            <a:avLst/>
+          </a:prstGeom>
+        </p:spPr>
+      </p:pic>
+      <p:sp>
+        <p:nvSpPr>
+          <p:cNvPr id="10" name="CuadroTexto 9">
+            <a:extLst>
+              <a:ext uri="{FF2B5EF4-FFF2-40B4-BE49-F238E27FC236}">
+                <a16:creationId xmlns:a16="http://schemas.microsoft.com/office/drawing/2014/main" id="{AF7138A5-0470-9195-6476-B2F6D5A0698D}"/>
+              </a:ext>
+            </a:extLst>
+          </p:cNvPr>
+          <p:cNvSpPr txBox="1"/>
+          <p:nvPr/>
+        </p:nvSpPr>
+        <p:spPr>
+          <a:xfrm>
+            <a:off x="4149970" y="615013"/>
+            <a:ext cx="4572000" cy="369332"/>
+          </a:xfrm>
+          <a:prstGeom prst="rect">
+            <a:avLst/>
+          </a:prstGeom>
+          <a:noFill/>
+        </p:spPr>
+        <p:txBody>
+          <a:bodyPr wrap="square">
+            <a:spAutoFit/>
+          </a:bodyPr>
+          <a:lstStyle/>
+          <a:p>
+            <a:r>
+              <a:rPr lang="es-ES" sz="1800" dirty="0">
+                <a:latin typeface="+mj-lt"/>
+              </a:rPr>
+              <a:t>Open </a:t>
+            </a:r>
+            <a:r>
+              <a:rPr lang="es-ES" sz="1800" dirty="0" err="1">
+                <a:latin typeface="+mj-lt"/>
+              </a:rPr>
+              <a:t>profile</a:t>
+            </a:r>
+            <a:r>
+              <a:rPr lang="es-ES" sz="1800" dirty="0">
+                <a:latin typeface="+mj-lt"/>
+              </a:rPr>
+              <a:t> editor in </a:t>
+            </a:r>
+            <a:r>
+              <a:rPr lang="es-ES" sz="1800" dirty="0" err="1">
+                <a:latin typeface="+mj-lt"/>
+              </a:rPr>
+              <a:t>Simulink</a:t>
+            </a:r>
+            <a:endParaRPr lang="en-GB" dirty="0"/>
+          </a:p>
+        </p:txBody>
+      </p:sp>
     </p:spTree>
     <p:extLst>
       <p:ext uri="{BB962C8B-B14F-4D97-AF65-F5344CB8AC3E}">
@@ -13173,7 +13447,7 @@
             <a:fld id="{2D72A43D-7419-4C41-A920-C6E38643746D}" type="datetime3">
               <a:rPr lang="es-ES_tradnl" smtClean="0"/>
               <a:pPr/>
-              <a:t>14.09.23</a:t>
+              <a:t>29.02.24</a:t>
             </a:fld>
             <a:endParaRPr lang="en-US" dirty="0"/>
           </a:p>
@@ -13833,7 +14107,7 @@
             <a:fld id="{2D72A43D-7419-4C41-A920-C6E38643746D}" type="datetime3">
               <a:rPr lang="es-ES_tradnl" smtClean="0"/>
               <a:pPr/>
-              <a:t>14.09.23</a:t>
+              <a:t>29.02.24</a:t>
             </a:fld>
             <a:endParaRPr lang="en-US" dirty="0"/>
           </a:p>
@@ -14080,7 +14354,7 @@
             <a:fld id="{2D72A43D-7419-4C41-A920-C6E38643746D}" type="datetime3">
               <a:rPr lang="es-ES_tradnl" smtClean="0"/>
               <a:pPr/>
-              <a:t>14.09.23</a:t>
+              <a:t>29.02.24</a:t>
             </a:fld>
             <a:endParaRPr lang="en-US" dirty="0"/>
           </a:p>
@@ -14525,7 +14799,7 @@
             <a:fld id="{2D72A43D-7419-4C41-A920-C6E38643746D}" type="datetime3">
               <a:rPr lang="es-ES_tradnl" smtClean="0"/>
               <a:pPr/>
-              <a:t>14.09.23</a:t>
+              <a:t>29.02.24</a:t>
             </a:fld>
             <a:endParaRPr lang="en-US" dirty="0"/>
           </a:p>
@@ -14803,7 +15077,7 @@
             <a:fld id="{2D72A43D-7419-4C41-A920-C6E38643746D}" type="datetime3">
               <a:rPr lang="es-ES_tradnl" smtClean="0"/>
               <a:pPr/>
-              <a:t>14.09.23</a:t>
+              <a:t>29.02.24</a:t>
             </a:fld>
             <a:endParaRPr lang="en-US" dirty="0"/>
           </a:p>
@@ -15180,7 +15454,7 @@
             <a:fld id="{2D72A43D-7419-4C41-A920-C6E38643746D}" type="datetime3">
               <a:rPr lang="es-ES_tradnl" smtClean="0"/>
               <a:pPr/>
-              <a:t>14.09.23</a:t>
+              <a:t>29.02.24</a:t>
             </a:fld>
             <a:endParaRPr lang="en-US" dirty="0"/>
           </a:p>
@@ -15420,7 +15694,7 @@
             <a:fld id="{2D72A43D-7419-4C41-A920-C6E38643746D}" type="datetime3">
               <a:rPr lang="es-ES_tradnl" smtClean="0"/>
               <a:pPr/>
-              <a:t>14.09.23</a:t>
+              <a:t>29.02.24</a:t>
             </a:fld>
             <a:endParaRPr lang="en-US" dirty="0"/>
           </a:p>
@@ -15869,7 +16143,7 @@
             <a:fld id="{2D72A43D-7419-4C41-A920-C6E38643746D}" type="datetime3">
               <a:rPr lang="es-ES_tradnl" smtClean="0"/>
               <a:pPr/>
-              <a:t>14.09.23</a:t>
+              <a:t>29.02.24</a:t>
             </a:fld>
             <a:endParaRPr lang="en-US" dirty="0"/>
           </a:p>
@@ -15998,7 +16272,7 @@
             <a:fld id="{2D72A43D-7419-4C41-A920-C6E38643746D}" type="datetime3">
               <a:rPr lang="es-ES_tradnl" smtClean="0"/>
               <a:pPr/>
-              <a:t>14.09.23</a:t>
+              <a:t>29.02.24</a:t>
             </a:fld>
             <a:endParaRPr lang="en-US" dirty="0"/>
           </a:p>
@@ -16328,7 +16602,7 @@
             <a:fld id="{2D72A43D-7419-4C41-A920-C6E38643746D}" type="datetime3">
               <a:rPr lang="es-ES_tradnl" smtClean="0"/>
               <a:pPr/>
-              <a:t>14.09.23</a:t>
+              <a:t>29.02.24</a:t>
             </a:fld>
             <a:endParaRPr lang="en-US" dirty="0"/>
           </a:p>
@@ -16613,7 +16887,7 @@
             <a:fld id="{2D72A43D-7419-4C41-A920-C6E38643746D}" type="datetime3">
               <a:rPr lang="es-ES_tradnl" smtClean="0"/>
               <a:pPr/>
-              <a:t>14.09.23</a:t>
+              <a:t>29.02.24</a:t>
             </a:fld>
             <a:endParaRPr lang="en-US" dirty="0"/>
           </a:p>
@@ -16918,7 +17192,7 @@
             <a:fld id="{2D72A43D-7419-4C41-A920-C6E38643746D}" type="datetime3">
               <a:rPr lang="es-ES_tradnl" smtClean="0"/>
               <a:pPr/>
-              <a:t>14.09.23</a:t>
+              <a:t>29.02.24</a:t>
             </a:fld>
             <a:endParaRPr lang="en-US" dirty="0"/>
           </a:p>
@@ -17321,7 +17595,7 @@
             <a:fld id="{2D72A43D-7419-4C41-A920-C6E38643746D}" type="datetime3">
               <a:rPr lang="es-ES_tradnl" smtClean="0"/>
               <a:pPr/>
-              <a:t>14.09.23</a:t>
+              <a:t>29.02.24</a:t>
             </a:fld>
             <a:endParaRPr lang="en-US" dirty="0"/>
           </a:p>
@@ -17450,7 +17724,7 @@
             <a:fld id="{2D72A43D-7419-4C41-A920-C6E38643746D}" type="datetime3">
               <a:rPr lang="es-ES_tradnl" smtClean="0"/>
               <a:pPr/>
-              <a:t>14.09.23</a:t>
+              <a:t>29.02.24</a:t>
             </a:fld>
             <a:endParaRPr lang="en-US" dirty="0"/>
           </a:p>
@@ -17763,7 +18037,7 @@
             <a:fld id="{2D72A43D-7419-4C41-A920-C6E38643746D}" type="datetime3">
               <a:rPr lang="es-ES_tradnl" smtClean="0"/>
               <a:pPr/>
-              <a:t>14.09.23</a:t>
+              <a:t>29.02.24</a:t>
             </a:fld>
             <a:endParaRPr lang="en-US" dirty="0"/>
           </a:p>
@@ -18123,7 +18397,7 @@
             <a:fld id="{2D72A43D-7419-4C41-A920-C6E38643746D}" type="datetime3">
               <a:rPr lang="es-ES_tradnl" smtClean="0"/>
               <a:pPr/>
-              <a:t>14.09.23</a:t>
+              <a:t>29.02.24</a:t>
             </a:fld>
             <a:endParaRPr lang="en-US" dirty="0"/>
           </a:p>
@@ -18440,7 +18714,7 @@
             <a:fld id="{2D72A43D-7419-4C41-A920-C6E38643746D}" type="datetime3">
               <a:rPr lang="es-ES_tradnl" smtClean="0"/>
               <a:pPr/>
-              <a:t>14.09.23</a:t>
+              <a:t>29.02.24</a:t>
             </a:fld>
             <a:endParaRPr lang="en-US" dirty="0"/>
           </a:p>
@@ -18788,7 +19062,7 @@
             <a:fld id="{2D72A43D-7419-4C41-A920-C6E38643746D}" type="datetime3">
               <a:rPr lang="es-ES_tradnl" smtClean="0"/>
               <a:pPr/>
-              <a:t>14.09.23</a:t>
+              <a:t>29.02.24</a:t>
             </a:fld>
             <a:endParaRPr lang="en-US" dirty="0"/>
           </a:p>
@@ -19081,7 +19355,7 @@
             <a:fld id="{2D72A43D-7419-4C41-A920-C6E38643746D}" type="datetime3">
               <a:rPr lang="es-ES_tradnl" smtClean="0"/>
               <a:pPr/>
-              <a:t>14.09.23</a:t>
+              <a:t>29.02.24</a:t>
             </a:fld>
             <a:endParaRPr lang="en-US" dirty="0"/>
           </a:p>
@@ -19571,7 +19845,7 @@
             <a:fld id="{2D72A43D-7419-4C41-A920-C6E38643746D}" type="datetime3">
               <a:rPr lang="es-ES_tradnl" smtClean="0"/>
               <a:pPr/>
-              <a:t>14.09.23</a:t>
+              <a:t>29.02.24</a:t>
             </a:fld>
             <a:endParaRPr lang="en-US" dirty="0"/>
           </a:p>
@@ -19845,7 +20119,7 @@
             <a:fld id="{2D72A43D-7419-4C41-A920-C6E38643746D}" type="datetime3">
               <a:rPr lang="es-ES_tradnl" smtClean="0"/>
               <a:pPr/>
-              <a:t>14.09.23</a:t>
+              <a:t>29.02.24</a:t>
             </a:fld>
             <a:endParaRPr lang="en-US" dirty="0"/>
           </a:p>
@@ -20364,7 +20638,7 @@
             <a:fld id="{2D72A43D-7419-4C41-A920-C6E38643746D}" type="datetime3">
               <a:rPr lang="es-ES_tradnl" smtClean="0"/>
               <a:pPr/>
-              <a:t>14.09.23</a:t>
+              <a:t>29.02.24</a:t>
             </a:fld>
             <a:endParaRPr lang="en-US" dirty="0"/>
           </a:p>
@@ -21477,7 +21751,7 @@
             <a:fld id="{2D72A43D-7419-4C41-A920-C6E38643746D}" type="datetime3">
               <a:rPr lang="es-ES_tradnl" smtClean="0"/>
               <a:pPr/>
-              <a:t>14.09.23</a:t>
+              <a:t>29.02.24</a:t>
             </a:fld>
             <a:endParaRPr lang="en-US" dirty="0"/>
           </a:p>
@@ -21664,8 +21938,115 @@
             <a:r>
               <a:rPr lang="es-ES" dirty="0">
                 <a:latin typeface="Arial Nova Light" panose="020B0304020202020204" pitchFamily="34" charset="0"/>
+                <a:hlinkClick r:id="rId2"/>
               </a:rPr>
               <a:t>https://www.mathworks.com/help/systemcomposer/ug/mobile-robot-workflow.html</a:t>
+            </a:r>
+            <a:endParaRPr lang="es-ES" dirty="0">
+              <a:latin typeface="Arial Nova Light" panose="020B0304020202020204" pitchFamily="34" charset="0"/>
+            </a:endParaRPr>
+          </a:p>
+          <a:p>
+            <a:pPr marL="0" indent="0" algn="ctr">
+              <a:buNone/>
+            </a:pPr>
+            <a:endParaRPr lang="es-ES" dirty="0">
+              <a:latin typeface="Arial Nova Light" panose="020B0304020202020204" pitchFamily="34" charset="0"/>
+            </a:endParaRPr>
+          </a:p>
+          <a:p>
+            <a:pPr marL="0" indent="0" algn="ctr">
+              <a:buNone/>
+            </a:pPr>
+            <a:r>
+              <a:rPr lang="es-ES" dirty="0">
+                <a:latin typeface="Arial Nova Light" panose="020B0304020202020204" pitchFamily="34" charset="0"/>
+              </a:rPr>
+              <a:t>(open </a:t>
+            </a:r>
+            <a:r>
+              <a:rPr lang="es-ES" dirty="0" err="1">
+                <a:latin typeface="Arial Nova Light" panose="020B0304020202020204" pitchFamily="34" charset="0"/>
+              </a:rPr>
+              <a:t>it</a:t>
+            </a:r>
+            <a:r>
+              <a:rPr lang="es-ES" dirty="0">
+                <a:latin typeface="Arial Nova Light" panose="020B0304020202020204" pitchFamily="34" charset="0"/>
+              </a:rPr>
+              <a:t> </a:t>
+            </a:r>
+            <a:r>
+              <a:rPr lang="es-ES" dirty="0" err="1">
+                <a:latin typeface="Arial Nova Light" panose="020B0304020202020204" pitchFamily="34" charset="0"/>
+              </a:rPr>
+              <a:t>writing</a:t>
+            </a:r>
+            <a:r>
+              <a:rPr lang="es-ES" dirty="0">
+                <a:latin typeface="Arial Nova Light" panose="020B0304020202020204" pitchFamily="34" charset="0"/>
+              </a:rPr>
+              <a:t> </a:t>
+            </a:r>
+            <a:r>
+              <a:rPr lang="es-ES" dirty="0" err="1">
+                <a:latin typeface="Arial Nova Light" panose="020B0304020202020204" pitchFamily="34" charset="0"/>
+              </a:rPr>
+              <a:t>openExample</a:t>
+            </a:r>
+            <a:r>
+              <a:rPr lang="es-ES" dirty="0">
+                <a:latin typeface="Arial Nova Light" panose="020B0304020202020204" pitchFamily="34" charset="0"/>
+              </a:rPr>
+              <a:t>('</a:t>
+            </a:r>
+            <a:r>
+              <a:rPr lang="es-ES" dirty="0" err="1">
+                <a:latin typeface="Arial Nova Light" panose="020B0304020202020204" pitchFamily="34" charset="0"/>
+              </a:rPr>
+              <a:t>systemcomposer</a:t>
+            </a:r>
+            <a:r>
+              <a:rPr lang="es-ES" dirty="0">
+                <a:latin typeface="Arial Nova Light" panose="020B0304020202020204" pitchFamily="34" charset="0"/>
+              </a:rPr>
+              <a:t>/</a:t>
+            </a:r>
+            <a:r>
+              <a:rPr lang="es-ES" dirty="0" err="1">
+                <a:latin typeface="Arial Nova Light" panose="020B0304020202020204" pitchFamily="34" charset="0"/>
+              </a:rPr>
+              <a:t>SimulatingMobileRobotWithSystemComposerWorkflowExample</a:t>
+            </a:r>
+            <a:r>
+              <a:rPr lang="es-ES" dirty="0">
+                <a:latin typeface="Arial Nova Light" panose="020B0304020202020204" pitchFamily="34" charset="0"/>
+              </a:rPr>
+              <a:t>’) in </a:t>
+            </a:r>
+            <a:r>
+              <a:rPr lang="es-ES" dirty="0" err="1">
+                <a:latin typeface="Arial Nova Light" panose="020B0304020202020204" pitchFamily="34" charset="0"/>
+              </a:rPr>
+              <a:t>command</a:t>
+            </a:r>
+            <a:r>
+              <a:rPr lang="es-ES" dirty="0">
+                <a:latin typeface="Arial Nova Light" panose="020B0304020202020204" pitchFamily="34" charset="0"/>
+              </a:rPr>
+              <a:t> </a:t>
+            </a:r>
+            <a:r>
+              <a:rPr lang="es-ES" dirty="0" err="1">
+                <a:latin typeface="Arial Nova Light" panose="020B0304020202020204" pitchFamily="34" charset="0"/>
+              </a:rPr>
+              <a:t>window</a:t>
+            </a:r>
+            <a:r>
+              <a:rPr lang="es-ES" dirty="0">
+                <a:latin typeface="Arial Nova Light" panose="020B0304020202020204" pitchFamily="34" charset="0"/>
+              </a:rPr>
+              <a:t>)</a:t>
             </a:r>
           </a:p>
           <a:p>
@@ -21822,7 +22203,7 @@
             <a:fld id="{2D72A43D-7419-4C41-A920-C6E38643746D}" type="datetime3">
               <a:rPr lang="es-ES_tradnl" smtClean="0"/>
               <a:pPr/>
-              <a:t>14.09.23</a:t>
+              <a:t>29.02.24</a:t>
             </a:fld>
             <a:endParaRPr lang="en-US" dirty="0"/>
           </a:p>
@@ -21981,7 +22362,7 @@
             <a:fld id="{2D72A43D-7419-4C41-A920-C6E38643746D}" type="datetime3">
               <a:rPr lang="es-ES_tradnl" smtClean="0"/>
               <a:pPr/>
-              <a:t>14.09.23</a:t>
+              <a:t>29.02.24</a:t>
             </a:fld>
             <a:endParaRPr lang="en-US" dirty="0"/>
           </a:p>
@@ -22636,7 +23017,7 @@
             <a:fld id="{2D72A43D-7419-4C41-A920-C6E38643746D}" type="datetime3">
               <a:rPr lang="es-ES_tradnl" smtClean="0"/>
               <a:pPr/>
-              <a:t>14.09.23</a:t>
+              <a:t>29.02.24</a:t>
             </a:fld>
             <a:endParaRPr lang="en-US" dirty="0"/>
           </a:p>
@@ -23250,7 +23631,7 @@
             <a:fld id="{2D72A43D-7419-4C41-A920-C6E38643746D}" type="datetime3">
               <a:rPr lang="es-ES_tradnl" smtClean="0"/>
               <a:pPr/>
-              <a:t>14.09.23</a:t>
+              <a:t>29.02.24</a:t>
             </a:fld>
             <a:endParaRPr lang="en-US" dirty="0"/>
           </a:p>
@@ -24149,7 +24530,7 @@
             <a:fld id="{2D72A43D-7419-4C41-A920-C6E38643746D}" type="datetime3">
               <a:rPr lang="es-ES_tradnl" smtClean="0"/>
               <a:pPr/>
-              <a:t>14.09.23</a:t>
+              <a:t>29.02.24</a:t>
             </a:fld>
             <a:endParaRPr lang="en-US" dirty="0"/>
           </a:p>
